--- a/Lecture/Modeling 9/Modeling_9_Lecture.pptx
+++ b/Lecture/Modeling 9/Modeling_9_Lecture.pptx
@@ -308,7 +308,7 @@
               <a:pPr>
                 <a:defRPr/>
               </a:pPr>
-              <a:t>3/31/2019</a:t>
+              <a:t>11/4/2020</a:t>
             </a:fld>
             <a:endParaRPr lang="en-US" dirty="0"/>
           </a:p>
@@ -520,7 +520,7 @@
               <a:pPr>
                 <a:defRPr/>
               </a:pPr>
-              <a:t>3/31/2019</a:t>
+              <a:t>11/4/2020</a:t>
             </a:fld>
             <a:endParaRPr lang="en-US" dirty="0"/>
           </a:p>
@@ -1129,7 +1129,7 @@
               <a:pPr>
                 <a:defRPr/>
               </a:pPr>
-              <a:t>3/31/2019</a:t>
+              <a:t>11/4/2020</a:t>
             </a:fld>
             <a:endParaRPr lang="en-US" dirty="0"/>
           </a:p>
@@ -1319,7 +1319,7 @@
               <a:pPr>
                 <a:defRPr/>
               </a:pPr>
-              <a:t>3/31/2019</a:t>
+              <a:t>11/4/2020</a:t>
             </a:fld>
             <a:endParaRPr lang="en-US" dirty="0"/>
           </a:p>
@@ -1519,7 +1519,7 @@
               <a:pPr>
                 <a:defRPr/>
               </a:pPr>
-              <a:t>3/31/2019</a:t>
+              <a:t>11/4/2020</a:t>
             </a:fld>
             <a:endParaRPr lang="en-US" dirty="0"/>
           </a:p>
@@ -1787,7 +1787,7 @@
               <a:pPr>
                 <a:defRPr/>
               </a:pPr>
-              <a:t>3/31/2019</a:t>
+              <a:t>11/4/2020</a:t>
             </a:fld>
             <a:endParaRPr lang="en-US" dirty="0">
               <a:solidFill>
@@ -2001,7 +2001,7 @@
               <a:pPr>
                 <a:defRPr/>
               </a:pPr>
-              <a:t>3/31/2019</a:t>
+              <a:t>11/4/2020</a:t>
             </a:fld>
             <a:endParaRPr lang="en-US" dirty="0">
               <a:solidFill>
@@ -2292,7 +2292,7 @@
               <a:pPr>
                 <a:defRPr/>
               </a:pPr>
-              <a:t>3/31/2019</a:t>
+              <a:t>11/4/2020</a:t>
             </a:fld>
             <a:endParaRPr lang="en-US" dirty="0">
               <a:solidFill>
@@ -2623,7 +2623,7 @@
               <a:pPr>
                 <a:defRPr/>
               </a:pPr>
-              <a:t>3/31/2019</a:t>
+              <a:t>11/4/2020</a:t>
             </a:fld>
             <a:endParaRPr lang="en-US" dirty="0">
               <a:solidFill>
@@ -3088,7 +3088,7 @@
               <a:pPr>
                 <a:defRPr/>
               </a:pPr>
-              <a:t>3/31/2019</a:t>
+              <a:t>11/4/2020</a:t>
             </a:fld>
             <a:endParaRPr lang="en-US" dirty="0">
               <a:solidFill>
@@ -3251,7 +3251,7 @@
               <a:pPr>
                 <a:defRPr/>
               </a:pPr>
-              <a:t>3/31/2019</a:t>
+              <a:t>11/4/2020</a:t>
             </a:fld>
             <a:endParaRPr lang="en-US" dirty="0">
               <a:solidFill>
@@ -3392,7 +3392,7 @@
               <a:pPr>
                 <a:defRPr/>
               </a:pPr>
-              <a:t>3/31/2019</a:t>
+              <a:t>11/4/2020</a:t>
             </a:fld>
             <a:endParaRPr lang="en-US" dirty="0">
               <a:solidFill>
@@ -3713,7 +3713,7 @@
               <a:pPr>
                 <a:defRPr/>
               </a:pPr>
-              <a:t>3/31/2019</a:t>
+              <a:t>11/4/2020</a:t>
             </a:fld>
             <a:endParaRPr lang="en-US" dirty="0">
               <a:solidFill>
@@ -3921,7 +3921,7 @@
               <a:pPr>
                 <a:defRPr/>
               </a:pPr>
-              <a:t>3/31/2019</a:t>
+              <a:t>11/4/2020</a:t>
             </a:fld>
             <a:endParaRPr lang="en-US" dirty="0"/>
           </a:p>
@@ -4204,7 +4204,7 @@
               <a:pPr>
                 <a:defRPr/>
               </a:pPr>
-              <a:t>3/31/2019</a:t>
+              <a:t>11/4/2020</a:t>
             </a:fld>
             <a:endParaRPr lang="en-US" dirty="0">
               <a:solidFill>
@@ -4418,7 +4418,7 @@
               <a:pPr>
                 <a:defRPr/>
               </a:pPr>
-              <a:t>3/31/2019</a:t>
+              <a:t>11/4/2020</a:t>
             </a:fld>
             <a:endParaRPr lang="en-US" dirty="0">
               <a:solidFill>
@@ -4642,7 +4642,7 @@
               <a:pPr>
                 <a:defRPr/>
               </a:pPr>
-              <a:t>3/31/2019</a:t>
+              <a:t>11/4/2020</a:t>
             </a:fld>
             <a:endParaRPr lang="en-US" dirty="0">
               <a:solidFill>
@@ -4852,7 +4852,7 @@
               <a:pPr>
                 <a:defRPr/>
               </a:pPr>
-              <a:t>3/31/2019</a:t>
+              <a:t>11/4/2020</a:t>
             </a:fld>
             <a:endParaRPr lang="en-US" dirty="0">
               <a:solidFill>
@@ -5129,7 +5129,7 @@
               <a:pPr>
                 <a:defRPr/>
               </a:pPr>
-              <a:t>3/31/2019</a:t>
+              <a:t>11/4/2020</a:t>
             </a:fld>
             <a:endParaRPr lang="en-US" dirty="0"/>
           </a:p>
@@ -5436,7 +5436,7 @@
               <a:pPr>
                 <a:defRPr/>
               </a:pPr>
-              <a:t>3/31/2019</a:t>
+              <a:t>11/4/2020</a:t>
             </a:fld>
             <a:endParaRPr lang="en-US" dirty="0"/>
           </a:p>
@@ -5877,7 +5877,7 @@
               <a:pPr>
                 <a:defRPr/>
               </a:pPr>
-              <a:t>3/31/2019</a:t>
+              <a:t>11/4/2020</a:t>
             </a:fld>
             <a:endParaRPr lang="en-US" dirty="0"/>
           </a:p>
@@ -6016,7 +6016,7 @@
               <a:pPr>
                 <a:defRPr/>
               </a:pPr>
-              <a:t>3/31/2019</a:t>
+              <a:t>11/4/2020</a:t>
             </a:fld>
             <a:endParaRPr lang="en-US" dirty="0"/>
           </a:p>
@@ -6133,7 +6133,7 @@
               <a:pPr>
                 <a:defRPr/>
               </a:pPr>
-              <a:t>3/31/2019</a:t>
+              <a:t>11/4/2020</a:t>
             </a:fld>
             <a:endParaRPr lang="en-US" dirty="0"/>
           </a:p>
@@ -6430,7 +6430,7 @@
               <a:pPr>
                 <a:defRPr/>
               </a:pPr>
-              <a:t>3/31/2019</a:t>
+              <a:t>11/4/2020</a:t>
             </a:fld>
             <a:endParaRPr lang="en-US" dirty="0"/>
           </a:p>
@@ -6707,7 +6707,7 @@
               <a:pPr>
                 <a:defRPr/>
               </a:pPr>
-              <a:t>3/31/2019</a:t>
+              <a:t>11/4/2020</a:t>
             </a:fld>
             <a:endParaRPr lang="en-US" dirty="0"/>
           </a:p>
@@ -6964,7 +6964,7 @@
               <a:pPr>
                 <a:defRPr/>
               </a:pPr>
-              <a:t>3/31/2019</a:t>
+              <a:t>11/4/2020</a:t>
             </a:fld>
             <a:endParaRPr lang="en-US" dirty="0"/>
           </a:p>
@@ -7674,7 +7674,7 @@
               <a:pPr>
                 <a:defRPr/>
               </a:pPr>
-              <a:t>3/31/2019</a:t>
+              <a:t>11/4/2020</a:t>
             </a:fld>
             <a:endParaRPr lang="en-US" dirty="0">
               <a:solidFill>
@@ -13671,13 +13671,18 @@
               <a:defRPr/>
             </a:pPr>
             <a:r>
-              <a:rPr lang="en-US" dirty="0">
+              <a:rPr lang="en-US">
                 <a:solidFill>
                   <a:srgbClr val="404040"/>
                 </a:solidFill>
               </a:rPr>
-              <a:t>Tutorial</a:t>
-            </a:r>
+              <a:t>Supplement</a:t>
+            </a:r>
+            <a:endParaRPr lang="en-US" dirty="0">
+              <a:solidFill>
+                <a:srgbClr val="404040"/>
+              </a:solidFill>
+            </a:endParaRPr>
           </a:p>
           <a:p>
             <a:pPr marL="800100" lvl="1" indent="-342900">

--- a/Lecture/Modeling 9/Modeling_9_Lecture.pptx
+++ b/Lecture/Modeling 9/Modeling_9_Lecture.pptx
@@ -308,7 +308,7 @@
               <a:pPr>
                 <a:defRPr/>
               </a:pPr>
-              <a:t>11/4/2020</a:t>
+              <a:t>4/18/2023</a:t>
             </a:fld>
             <a:endParaRPr lang="en-US" dirty="0"/>
           </a:p>
@@ -520,7 +520,7 @@
               <a:pPr>
                 <a:defRPr/>
               </a:pPr>
-              <a:t>11/4/2020</a:t>
+              <a:t>4/18/2023</a:t>
             </a:fld>
             <a:endParaRPr lang="en-US" dirty="0"/>
           </a:p>
@@ -1129,7 +1129,7 @@
               <a:pPr>
                 <a:defRPr/>
               </a:pPr>
-              <a:t>11/4/2020</a:t>
+              <a:t>4/18/2023</a:t>
             </a:fld>
             <a:endParaRPr lang="en-US" dirty="0"/>
           </a:p>
@@ -1319,7 +1319,7 @@
               <a:pPr>
                 <a:defRPr/>
               </a:pPr>
-              <a:t>11/4/2020</a:t>
+              <a:t>4/18/2023</a:t>
             </a:fld>
             <a:endParaRPr lang="en-US" dirty="0"/>
           </a:p>
@@ -1519,7 +1519,7 @@
               <a:pPr>
                 <a:defRPr/>
               </a:pPr>
-              <a:t>11/4/2020</a:t>
+              <a:t>4/18/2023</a:t>
             </a:fld>
             <a:endParaRPr lang="en-US" dirty="0"/>
           </a:p>
@@ -1787,7 +1787,7 @@
               <a:pPr>
                 <a:defRPr/>
               </a:pPr>
-              <a:t>11/4/2020</a:t>
+              <a:t>4/18/2023</a:t>
             </a:fld>
             <a:endParaRPr lang="en-US" dirty="0">
               <a:solidFill>
@@ -2001,7 +2001,7 @@
               <a:pPr>
                 <a:defRPr/>
               </a:pPr>
-              <a:t>11/4/2020</a:t>
+              <a:t>4/18/2023</a:t>
             </a:fld>
             <a:endParaRPr lang="en-US" dirty="0">
               <a:solidFill>
@@ -2292,7 +2292,7 @@
               <a:pPr>
                 <a:defRPr/>
               </a:pPr>
-              <a:t>11/4/2020</a:t>
+              <a:t>4/18/2023</a:t>
             </a:fld>
             <a:endParaRPr lang="en-US" dirty="0">
               <a:solidFill>
@@ -2623,7 +2623,7 @@
               <a:pPr>
                 <a:defRPr/>
               </a:pPr>
-              <a:t>11/4/2020</a:t>
+              <a:t>4/18/2023</a:t>
             </a:fld>
             <a:endParaRPr lang="en-US" dirty="0">
               <a:solidFill>
@@ -3088,7 +3088,7 @@
               <a:pPr>
                 <a:defRPr/>
               </a:pPr>
-              <a:t>11/4/2020</a:t>
+              <a:t>4/18/2023</a:t>
             </a:fld>
             <a:endParaRPr lang="en-US" dirty="0">
               <a:solidFill>
@@ -3251,7 +3251,7 @@
               <a:pPr>
                 <a:defRPr/>
               </a:pPr>
-              <a:t>11/4/2020</a:t>
+              <a:t>4/18/2023</a:t>
             </a:fld>
             <a:endParaRPr lang="en-US" dirty="0">
               <a:solidFill>
@@ -3392,7 +3392,7 @@
               <a:pPr>
                 <a:defRPr/>
               </a:pPr>
-              <a:t>11/4/2020</a:t>
+              <a:t>4/18/2023</a:t>
             </a:fld>
             <a:endParaRPr lang="en-US" dirty="0">
               <a:solidFill>
@@ -3713,7 +3713,7 @@
               <a:pPr>
                 <a:defRPr/>
               </a:pPr>
-              <a:t>11/4/2020</a:t>
+              <a:t>4/18/2023</a:t>
             </a:fld>
             <a:endParaRPr lang="en-US" dirty="0">
               <a:solidFill>
@@ -3921,7 +3921,7 @@
               <a:pPr>
                 <a:defRPr/>
               </a:pPr>
-              <a:t>11/4/2020</a:t>
+              <a:t>4/18/2023</a:t>
             </a:fld>
             <a:endParaRPr lang="en-US" dirty="0"/>
           </a:p>
@@ -4204,7 +4204,7 @@
               <a:pPr>
                 <a:defRPr/>
               </a:pPr>
-              <a:t>11/4/2020</a:t>
+              <a:t>4/18/2023</a:t>
             </a:fld>
             <a:endParaRPr lang="en-US" dirty="0">
               <a:solidFill>
@@ -4418,7 +4418,7 @@
               <a:pPr>
                 <a:defRPr/>
               </a:pPr>
-              <a:t>11/4/2020</a:t>
+              <a:t>4/18/2023</a:t>
             </a:fld>
             <a:endParaRPr lang="en-US" dirty="0">
               <a:solidFill>
@@ -4642,7 +4642,7 @@
               <a:pPr>
                 <a:defRPr/>
               </a:pPr>
-              <a:t>11/4/2020</a:t>
+              <a:t>4/18/2023</a:t>
             </a:fld>
             <a:endParaRPr lang="en-US" dirty="0">
               <a:solidFill>
@@ -4852,7 +4852,7 @@
               <a:pPr>
                 <a:defRPr/>
               </a:pPr>
-              <a:t>11/4/2020</a:t>
+              <a:t>4/18/2023</a:t>
             </a:fld>
             <a:endParaRPr lang="en-US" dirty="0">
               <a:solidFill>
@@ -5129,7 +5129,7 @@
               <a:pPr>
                 <a:defRPr/>
               </a:pPr>
-              <a:t>11/4/2020</a:t>
+              <a:t>4/18/2023</a:t>
             </a:fld>
             <a:endParaRPr lang="en-US" dirty="0"/>
           </a:p>
@@ -5436,7 +5436,7 @@
               <a:pPr>
                 <a:defRPr/>
               </a:pPr>
-              <a:t>11/4/2020</a:t>
+              <a:t>4/18/2023</a:t>
             </a:fld>
             <a:endParaRPr lang="en-US" dirty="0"/>
           </a:p>
@@ -5877,7 +5877,7 @@
               <a:pPr>
                 <a:defRPr/>
               </a:pPr>
-              <a:t>11/4/2020</a:t>
+              <a:t>4/18/2023</a:t>
             </a:fld>
             <a:endParaRPr lang="en-US" dirty="0"/>
           </a:p>
@@ -6016,7 +6016,7 @@
               <a:pPr>
                 <a:defRPr/>
               </a:pPr>
-              <a:t>11/4/2020</a:t>
+              <a:t>4/18/2023</a:t>
             </a:fld>
             <a:endParaRPr lang="en-US" dirty="0"/>
           </a:p>
@@ -6133,7 +6133,7 @@
               <a:pPr>
                 <a:defRPr/>
               </a:pPr>
-              <a:t>11/4/2020</a:t>
+              <a:t>4/18/2023</a:t>
             </a:fld>
             <a:endParaRPr lang="en-US" dirty="0"/>
           </a:p>
@@ -6430,7 +6430,7 @@
               <a:pPr>
                 <a:defRPr/>
               </a:pPr>
-              <a:t>11/4/2020</a:t>
+              <a:t>4/18/2023</a:t>
             </a:fld>
             <a:endParaRPr lang="en-US" dirty="0"/>
           </a:p>
@@ -6707,7 +6707,7 @@
               <a:pPr>
                 <a:defRPr/>
               </a:pPr>
-              <a:t>11/4/2020</a:t>
+              <a:t>4/18/2023</a:t>
             </a:fld>
             <a:endParaRPr lang="en-US" dirty="0"/>
           </a:p>
@@ -6964,7 +6964,7 @@
               <a:pPr>
                 <a:defRPr/>
               </a:pPr>
-              <a:t>11/4/2020</a:t>
+              <a:t>4/18/2023</a:t>
             </a:fld>
             <a:endParaRPr lang="en-US" dirty="0"/>
           </a:p>
@@ -7674,7 +7674,7 @@
               <a:pPr>
                 <a:defRPr/>
               </a:pPr>
-              <a:t>11/4/2020</a:t>
+              <a:t>4/18/2023</a:t>
             </a:fld>
             <a:endParaRPr lang="en-US" dirty="0">
               <a:solidFill>
@@ -12580,105 +12580,6 @@
           <a:noFill/>
         </p:spPr>
       </p:pic>
-      <p:pic>
-        <p:nvPicPr>
-          <p:cNvPr id="4" name="Picture 3">
-            <a:extLst>
-              <a:ext uri="{FF2B5EF4-FFF2-40B4-BE49-F238E27FC236}">
-                <a16:creationId xmlns:a16="http://schemas.microsoft.com/office/drawing/2014/main" id="{F232B959-D0AA-4F51-A4CB-9E1C52B6D88F}"/>
-              </a:ext>
-            </a:extLst>
-          </p:cNvPr>
-          <p:cNvPicPr>
-            <a:picLocks noChangeAspect="1"/>
-          </p:cNvPicPr>
-          <p:nvPr/>
-        </p:nvPicPr>
-        <p:blipFill>
-          <a:blip r:embed="rId4"/>
-          <a:stretch>
-            <a:fillRect/>
-          </a:stretch>
-        </p:blipFill>
-        <p:spPr>
-          <a:xfrm>
-            <a:off x="3581400" y="1510293"/>
-            <a:ext cx="5486400" cy="2130294"/>
-          </a:xfrm>
-          <a:prstGeom prst="rect">
-            <a:avLst/>
-          </a:prstGeom>
-          <a:ln>
-            <a:solidFill>
-              <a:srgbClr val="404040"/>
-            </a:solidFill>
-          </a:ln>
-        </p:spPr>
-        <p:style>
-          <a:lnRef idx="2">
-            <a:schemeClr val="dk1"/>
-          </a:lnRef>
-          <a:fillRef idx="1">
-            <a:schemeClr val="lt1"/>
-          </a:fillRef>
-          <a:effectRef idx="0">
-            <a:schemeClr val="dk1"/>
-          </a:effectRef>
-          <a:fontRef idx="minor">
-            <a:schemeClr val="dk1"/>
-          </a:fontRef>
-        </p:style>
-      </p:pic>
-      <p:sp>
-        <p:nvSpPr>
-          <p:cNvPr id="9" name="Rectangle 8">
-            <a:extLst>
-              <a:ext uri="{FF2B5EF4-FFF2-40B4-BE49-F238E27FC236}">
-                <a16:creationId xmlns:a16="http://schemas.microsoft.com/office/drawing/2014/main" id="{D4088713-1400-4AEE-8951-B00E86A1C52E}"/>
-              </a:ext>
-            </a:extLst>
-          </p:cNvPr>
-          <p:cNvSpPr/>
-          <p:nvPr/>
-        </p:nvSpPr>
-        <p:spPr>
-          <a:xfrm>
-            <a:off x="7620000" y="2439973"/>
-            <a:ext cx="1447800" cy="270649"/>
-          </a:xfrm>
-          <a:prstGeom prst="rect">
-            <a:avLst/>
-          </a:prstGeom>
-          <a:noFill/>
-          <a:ln>
-            <a:solidFill>
-              <a:srgbClr val="404040"/>
-            </a:solidFill>
-          </a:ln>
-        </p:spPr>
-        <p:style>
-          <a:lnRef idx="2">
-            <a:schemeClr val="dk1"/>
-          </a:lnRef>
-          <a:fillRef idx="1">
-            <a:schemeClr val="lt1"/>
-          </a:fillRef>
-          <a:effectRef idx="0">
-            <a:schemeClr val="dk1"/>
-          </a:effectRef>
-          <a:fontRef idx="minor">
-            <a:schemeClr val="dk1"/>
-          </a:fontRef>
-        </p:style>
-        <p:txBody>
-          <a:bodyPr rtlCol="0" anchor="ctr"/>
-          <a:lstStyle/>
-          <a:p>
-            <a:pPr algn="ctr"/>
-            <a:endParaRPr lang="en-US"/>
-          </a:p>
-        </p:txBody>
-      </p:sp>
       <p:sp>
         <p:nvSpPr>
           <p:cNvPr id="10" name="TextBox 9">
@@ -12693,7 +12594,7 @@
         </p:nvSpPr>
         <p:spPr>
           <a:xfrm>
-            <a:off x="4343400" y="3954169"/>
+            <a:off x="4343400" y="4101884"/>
             <a:ext cx="4065745" cy="400110"/>
           </a:xfrm>
           <a:prstGeom prst="rect">
@@ -12846,6 +12747,91 @@
           </a:p>
         </p:txBody>
       </p:sp>
+      <p:pic>
+        <p:nvPicPr>
+          <p:cNvPr id="5" name="Picture 4">
+            <a:extLst>
+              <a:ext uri="{FF2B5EF4-FFF2-40B4-BE49-F238E27FC236}">
+                <a16:creationId xmlns:a16="http://schemas.microsoft.com/office/drawing/2014/main" id="{BCB5B340-1B8F-C8BA-D157-81A26F8701A9}"/>
+              </a:ext>
+            </a:extLst>
+          </p:cNvPr>
+          <p:cNvPicPr>
+            <a:picLocks noChangeAspect="1"/>
+          </p:cNvPicPr>
+          <p:nvPr/>
+        </p:nvPicPr>
+        <p:blipFill>
+          <a:blip r:embed="rId4"/>
+          <a:stretch>
+            <a:fillRect/>
+          </a:stretch>
+        </p:blipFill>
+        <p:spPr>
+          <a:xfrm>
+            <a:off x="3973322" y="1432599"/>
+            <a:ext cx="4865878" cy="2459793"/>
+          </a:xfrm>
+          <a:prstGeom prst="rect">
+            <a:avLst/>
+          </a:prstGeom>
+          <a:ln w="28575">
+            <a:solidFill>
+              <a:srgbClr val="404040"/>
+            </a:solidFill>
+          </a:ln>
+        </p:spPr>
+      </p:pic>
+      <p:sp>
+        <p:nvSpPr>
+          <p:cNvPr id="9" name="Rectangle 8">
+            <a:extLst>
+              <a:ext uri="{FF2B5EF4-FFF2-40B4-BE49-F238E27FC236}">
+                <a16:creationId xmlns:a16="http://schemas.microsoft.com/office/drawing/2014/main" id="{D4088713-1400-4AEE-8951-B00E86A1C52E}"/>
+              </a:ext>
+            </a:extLst>
+          </p:cNvPr>
+          <p:cNvSpPr/>
+          <p:nvPr/>
+        </p:nvSpPr>
+        <p:spPr>
+          <a:xfrm>
+            <a:off x="7135622" y="2451071"/>
+            <a:ext cx="1703578" cy="270649"/>
+          </a:xfrm>
+          <a:prstGeom prst="rect">
+            <a:avLst/>
+          </a:prstGeom>
+          <a:noFill/>
+          <a:ln>
+            <a:solidFill>
+              <a:srgbClr val="404040"/>
+            </a:solidFill>
+          </a:ln>
+        </p:spPr>
+        <p:style>
+          <a:lnRef idx="2">
+            <a:schemeClr val="dk1"/>
+          </a:lnRef>
+          <a:fillRef idx="1">
+            <a:schemeClr val="lt1"/>
+          </a:fillRef>
+          <a:effectRef idx="0">
+            <a:schemeClr val="dk1"/>
+          </a:effectRef>
+          <a:fontRef idx="minor">
+            <a:schemeClr val="dk1"/>
+          </a:fontRef>
+        </p:style>
+        <p:txBody>
+          <a:bodyPr rtlCol="0" anchor="ctr"/>
+          <a:lstStyle/>
+          <a:p>
+            <a:pPr algn="ctr"/>
+            <a:endParaRPr lang="en-US"/>
+          </a:p>
+        </p:txBody>
+      </p:sp>
     </p:spTree>
     <p:custDataLst>
       <p:tags r:id="rId1"/>
@@ -12889,8 +12875,8 @@
           <a:chExt cx="0" cy="0"/>
         </a:xfrm>
       </p:grpSpPr>
-      <mc:AlternateContent xmlns:mc="http://schemas.openxmlformats.org/markup-compatibility/2006" xmlns:a14="http://schemas.microsoft.com/office/drawing/2010/main">
-        <mc:Choice Requires="a14">
+      <mc:AlternateContent xmlns:mc="http://schemas.openxmlformats.org/markup-compatibility/2006">
+        <mc:Choice xmlns:a14="http://schemas.microsoft.com/office/drawing/2010/main" Requires="a14">
           <p:sp>
             <p:nvSpPr>
               <p:cNvPr id="6" name="TextBox 5">
@@ -12906,7 +12892,7 @@
             <p:spPr>
               <a:xfrm>
                 <a:off x="3733800" y="643467"/>
-                <a:ext cx="5334000" cy="5787803"/>
+                <a:ext cx="5334000" cy="5418278"/>
               </a:xfrm>
               <a:prstGeom prst="rect">
                 <a:avLst/>
@@ -13040,22 +13026,7 @@
                       <a:srgbClr val="404040"/>
                     </a:solidFill>
                   </a:rPr>
-                  <a:t>Misspecification Error Matches What We Saw</a:t>
-                </a:r>
-              </a:p>
-              <a:p>
-                <a:pPr marL="1257300" lvl="2" indent="-342900">
-                  <a:buFont typeface="Arial" panose="020B0604020202020204" pitchFamily="34" charset="0"/>
-                  <a:buChar char="•"/>
-                  <a:defRPr/>
-                </a:pPr>
-                <a:r>
-                  <a:rPr lang="en-US" dirty="0">
-                    <a:solidFill>
-                      <a:srgbClr val="404040"/>
-                    </a:solidFill>
-                  </a:rPr>
-                  <a:t> </a:t>
+                  <a:t>Misspecification Error </a:t>
                 </a:r>
                 <a14:m>
                   <m:oMath xmlns:m="http://schemas.openxmlformats.org/officeDocument/2006/math">
@@ -13087,7 +13058,34 @@
                             </a:solidFill>
                             <a:latin typeface="Cambria Math" panose="02040503050406030204" pitchFamily="18" charset="0"/>
                           </a:rPr>
-                          <m:t>78+209</m:t>
+                          <m:t>7</m:t>
+                        </m:r>
+                        <m:r>
+                          <a:rPr lang="en-US" b="0" i="1" smtClean="0">
+                            <a:solidFill>
+                              <a:srgbClr val="404040"/>
+                            </a:solidFill>
+                            <a:latin typeface="Cambria Math" panose="02040503050406030204" pitchFamily="18" charset="0"/>
+                          </a:rPr>
+                          <m:t>7</m:t>
+                        </m:r>
+                        <m:r>
+                          <a:rPr lang="en-US" b="0" i="1" smtClean="0">
+                            <a:solidFill>
+                              <a:srgbClr val="404040"/>
+                            </a:solidFill>
+                            <a:latin typeface="Cambria Math" panose="02040503050406030204" pitchFamily="18" charset="0"/>
+                          </a:rPr>
+                          <m:t>+</m:t>
+                        </m:r>
+                        <m:r>
+                          <a:rPr lang="en-US" b="0" i="1" smtClean="0">
+                            <a:solidFill>
+                              <a:srgbClr val="404040"/>
+                            </a:solidFill>
+                            <a:latin typeface="Cambria Math" panose="02040503050406030204" pitchFamily="18" charset="0"/>
+                          </a:rPr>
+                          <m:t>210</m:t>
                         </m:r>
                       </m:num>
                       <m:den>
@@ -13098,7 +13096,70 @@
                             </a:solidFill>
                             <a:latin typeface="Cambria Math" panose="02040503050406030204" pitchFamily="18" charset="0"/>
                           </a:rPr>
-                          <m:t>393+78+209+192</m:t>
+                          <m:t>39</m:t>
+                        </m:r>
+                        <m:r>
+                          <a:rPr lang="en-US" b="0" i="1" smtClean="0">
+                            <a:solidFill>
+                              <a:srgbClr val="404040"/>
+                            </a:solidFill>
+                            <a:latin typeface="Cambria Math" panose="02040503050406030204" pitchFamily="18" charset="0"/>
+                          </a:rPr>
+                          <m:t>4</m:t>
+                        </m:r>
+                        <m:r>
+                          <a:rPr lang="en-US" b="0" i="1" smtClean="0">
+                            <a:solidFill>
+                              <a:srgbClr val="404040"/>
+                            </a:solidFill>
+                            <a:latin typeface="Cambria Math" panose="02040503050406030204" pitchFamily="18" charset="0"/>
+                          </a:rPr>
+                          <m:t>+7</m:t>
+                        </m:r>
+                        <m:r>
+                          <a:rPr lang="en-US" b="0" i="1" smtClean="0">
+                            <a:solidFill>
+                              <a:srgbClr val="404040"/>
+                            </a:solidFill>
+                            <a:latin typeface="Cambria Math" panose="02040503050406030204" pitchFamily="18" charset="0"/>
+                          </a:rPr>
+                          <m:t>7</m:t>
+                        </m:r>
+                        <m:r>
+                          <a:rPr lang="en-US" b="0" i="1" smtClean="0">
+                            <a:solidFill>
+                              <a:srgbClr val="404040"/>
+                            </a:solidFill>
+                            <a:latin typeface="Cambria Math" panose="02040503050406030204" pitchFamily="18" charset="0"/>
+                          </a:rPr>
+                          <m:t>+2</m:t>
+                        </m:r>
+                        <m:r>
+                          <a:rPr lang="en-US" b="0" i="1" smtClean="0">
+                            <a:solidFill>
+                              <a:srgbClr val="404040"/>
+                            </a:solidFill>
+                            <a:latin typeface="Cambria Math" panose="02040503050406030204" pitchFamily="18" charset="0"/>
+                          </a:rPr>
+                          <m:t>10</m:t>
+                        </m:r>
+                        <m:r>
+                          <a:rPr lang="en-US" b="0" i="1" smtClean="0">
+                            <a:solidFill>
+                              <a:srgbClr val="404040"/>
+                            </a:solidFill>
+                            <a:latin typeface="Cambria Math" panose="02040503050406030204" pitchFamily="18" charset="0"/>
+                          </a:rPr>
+                          <m:t>+19</m:t>
+                        </m:r>
+                        <m:r>
+                          <a:rPr lang="en-US" b="0" i="1" smtClean="0">
+                            <a:solidFill>
+                              <a:srgbClr val="404040"/>
+                            </a:solidFill>
+                            <a:latin typeface="Cambria Math" panose="02040503050406030204" pitchFamily="18" charset="0"/>
+                          </a:rPr>
+                          <m:t>1</m:t>
                         </m:r>
                       </m:den>
                     </m:f>
@@ -13170,7 +13231,7 @@
             </p:txBody>
           </p:sp>
         </mc:Choice>
-        <mc:Fallback xmlns="">
+        <mc:Fallback>
           <p:sp>
             <p:nvSpPr>
               <p:cNvPr id="6" name="TextBox 5">
@@ -13188,7 +13249,7 @@
             <p:spPr>
               <a:xfrm>
                 <a:off x="3733800" y="643467"/>
-                <a:ext cx="5334000" cy="5787803"/>
+                <a:ext cx="5334000" cy="5418278"/>
               </a:xfrm>
               <a:prstGeom prst="rect">
                 <a:avLst/>
@@ -13196,7 +13257,7 @@
               <a:blipFill>
                 <a:blip r:embed="rId3"/>
                 <a:stretch>
-                  <a:fillRect l="-1600" t="-738" b="-1581"/>
+                  <a:fillRect l="-1600" t="-788" b="-1802"/>
                 </a:stretch>
               </a:blipFill>
             </p:spPr>
